--- a/Eureka.pptx
+++ b/Eureka.pptx
@@ -11,6 +11,7 @@
     <p:sldId id="259" r:id="rId5"/>
     <p:sldId id="260" r:id="rId6"/>
     <p:sldId id="261" r:id="rId7"/>
+    <p:sldId id="262" r:id="rId8"/>
   </p:sldIdLst>
   <p:sldSz cx="12192000" cy="6858000"/>
   <p:notesSz cx="6858000" cy="9144000"/>
@@ -109,6 +110,11 @@
       </a:defRPr>
     </a:lvl9pPr>
   </p:defaultTextStyle>
+  <p:extLst>
+    <p:ext uri="{EFAFB233-063F-42B5-8137-9DF3F51BA10A}">
+      <p15:sldGuideLst xmlns:p15="http://schemas.microsoft.com/office/powerpoint/2012/main"/>
+    </p:ext>
+  </p:extLst>
 </p:presentation>
 </file>
 
@@ -259,7 +265,7 @@
           <a:p>
             <a:fld id="{70A0BE55-4730-4E3A-AABE-F2CD7108013D}" type="datetimeFigureOut">
               <a:rPr lang="en-US" smtClean="0"/>
-              <a:t>1/8/2024</a:t>
+              <a:t>1/10/2024</a:t>
             </a:fld>
             <a:endParaRPr lang="en-US"/>
           </a:p>
@@ -457,7 +463,7 @@
           <a:p>
             <a:fld id="{70A0BE55-4730-4E3A-AABE-F2CD7108013D}" type="datetimeFigureOut">
               <a:rPr lang="en-US" smtClean="0"/>
-              <a:t>1/8/2024</a:t>
+              <a:t>1/10/2024</a:t>
             </a:fld>
             <a:endParaRPr lang="en-US"/>
           </a:p>
@@ -665,7 +671,7 @@
           <a:p>
             <a:fld id="{70A0BE55-4730-4E3A-AABE-F2CD7108013D}" type="datetimeFigureOut">
               <a:rPr lang="en-US" smtClean="0"/>
-              <a:t>1/8/2024</a:t>
+              <a:t>1/10/2024</a:t>
             </a:fld>
             <a:endParaRPr lang="en-US"/>
           </a:p>
@@ -863,7 +869,7 @@
           <a:p>
             <a:fld id="{70A0BE55-4730-4E3A-AABE-F2CD7108013D}" type="datetimeFigureOut">
               <a:rPr lang="en-US" smtClean="0"/>
-              <a:t>1/8/2024</a:t>
+              <a:t>1/10/2024</a:t>
             </a:fld>
             <a:endParaRPr lang="en-US"/>
           </a:p>
@@ -1138,7 +1144,7 @@
           <a:p>
             <a:fld id="{70A0BE55-4730-4E3A-AABE-F2CD7108013D}" type="datetimeFigureOut">
               <a:rPr lang="en-US" smtClean="0"/>
-              <a:t>1/8/2024</a:t>
+              <a:t>1/10/2024</a:t>
             </a:fld>
             <a:endParaRPr lang="en-US"/>
           </a:p>
@@ -1403,7 +1409,7 @@
           <a:p>
             <a:fld id="{70A0BE55-4730-4E3A-AABE-F2CD7108013D}" type="datetimeFigureOut">
               <a:rPr lang="en-US" smtClean="0"/>
-              <a:t>1/8/2024</a:t>
+              <a:t>1/10/2024</a:t>
             </a:fld>
             <a:endParaRPr lang="en-US"/>
           </a:p>
@@ -1815,7 +1821,7 @@
           <a:p>
             <a:fld id="{70A0BE55-4730-4E3A-AABE-F2CD7108013D}" type="datetimeFigureOut">
               <a:rPr lang="en-US" smtClean="0"/>
-              <a:t>1/8/2024</a:t>
+              <a:t>1/10/2024</a:t>
             </a:fld>
             <a:endParaRPr lang="en-US"/>
           </a:p>
@@ -1956,7 +1962,7 @@
           <a:p>
             <a:fld id="{70A0BE55-4730-4E3A-AABE-F2CD7108013D}" type="datetimeFigureOut">
               <a:rPr lang="en-US" smtClean="0"/>
-              <a:t>1/8/2024</a:t>
+              <a:t>1/10/2024</a:t>
             </a:fld>
             <a:endParaRPr lang="en-US"/>
           </a:p>
@@ -2069,7 +2075,7 @@
           <a:p>
             <a:fld id="{70A0BE55-4730-4E3A-AABE-F2CD7108013D}" type="datetimeFigureOut">
               <a:rPr lang="en-US" smtClean="0"/>
-              <a:t>1/8/2024</a:t>
+              <a:t>1/10/2024</a:t>
             </a:fld>
             <a:endParaRPr lang="en-US"/>
           </a:p>
@@ -2380,7 +2386,7 @@
           <a:p>
             <a:fld id="{70A0BE55-4730-4E3A-AABE-F2CD7108013D}" type="datetimeFigureOut">
               <a:rPr lang="en-US" smtClean="0"/>
-              <a:t>1/8/2024</a:t>
+              <a:t>1/10/2024</a:t>
             </a:fld>
             <a:endParaRPr lang="en-US"/>
           </a:p>
@@ -2668,7 +2674,7 @@
           <a:p>
             <a:fld id="{70A0BE55-4730-4E3A-AABE-F2CD7108013D}" type="datetimeFigureOut">
               <a:rPr lang="en-US" smtClean="0"/>
-              <a:t>1/8/2024</a:t>
+              <a:t>1/10/2024</a:t>
             </a:fld>
             <a:endParaRPr lang="en-US"/>
           </a:p>
@@ -2909,7 +2915,7 @@
           <a:p>
             <a:fld id="{70A0BE55-4730-4E3A-AABE-F2CD7108013D}" type="datetimeFigureOut">
               <a:rPr lang="en-US" smtClean="0"/>
-              <a:t>1/8/2024</a:t>
+              <a:t>1/10/2024</a:t>
             </a:fld>
             <a:endParaRPr lang="en-US"/>
           </a:p>
@@ -4059,39 +4065,135 @@
           <a:bodyPr/>
           <a:lstStyle/>
           <a:p>
-            <a:endParaRPr lang="en-US"/>
-          </a:p>
-        </p:txBody>
-      </p:sp>
-      <p:sp>
-        <p:nvSpPr>
-          <p:cNvPr id="3" name="Content Placeholder 2">
-            <a:extLst>
-              <a:ext uri="{FF2B5EF4-FFF2-40B4-BE49-F238E27FC236}">
-                <a16:creationId xmlns:a16="http://schemas.microsoft.com/office/drawing/2014/main" id="{FA0FDDEF-3A57-98A9-9B26-E87CF65798D3}"/>
-              </a:ext>
-            </a:extLst>
-          </p:cNvPr>
-          <p:cNvSpPr>
-            <a:spLocks noGrp="1"/>
-          </p:cNvSpPr>
-          <p:nvPr>
-            <p:ph idx="1"/>
-          </p:nvPr>
-        </p:nvSpPr>
-        <p:spPr/>
-        <p:txBody>
-          <a:bodyPr/>
-          <a:lstStyle/>
-          <a:p>
-            <a:endParaRPr lang="en-US"/>
-          </a:p>
-        </p:txBody>
-      </p:sp>
+            <a:r>
+              <a:rPr lang="en-US" dirty="0"/>
+              <a:t>Services Communication before Eureka</a:t>
+            </a:r>
+          </a:p>
+        </p:txBody>
+      </p:sp>
+      <p:pic>
+        <p:nvPicPr>
+          <p:cNvPr id="5" name="Picture 4">
+            <a:extLst>
+              <a:ext uri="{FF2B5EF4-FFF2-40B4-BE49-F238E27FC236}">
+                <a16:creationId xmlns:a16="http://schemas.microsoft.com/office/drawing/2014/main" id="{A3C267DC-329F-96D5-3C24-FEA2C6970768}"/>
+              </a:ext>
+            </a:extLst>
+          </p:cNvPr>
+          <p:cNvPicPr>
+            <a:picLocks noChangeAspect="1"/>
+          </p:cNvPicPr>
+          <p:nvPr/>
+        </p:nvPicPr>
+        <p:blipFill>
+          <a:blip r:embed="rId2"/>
+          <a:stretch>
+            <a:fillRect/>
+          </a:stretch>
+        </p:blipFill>
+        <p:spPr>
+          <a:xfrm>
+            <a:off x="1297577" y="1629390"/>
+            <a:ext cx="9810419" cy="5103138"/>
+          </a:xfrm>
+          <a:prstGeom prst="rect">
+            <a:avLst/>
+          </a:prstGeom>
+        </p:spPr>
+      </p:pic>
     </p:spTree>
     <p:extLst>
       <p:ext uri="{BB962C8B-B14F-4D97-AF65-F5344CB8AC3E}">
         <p14:creationId xmlns:p14="http://schemas.microsoft.com/office/powerpoint/2010/main" val="1001626300"/>
+      </p:ext>
+    </p:extLst>
+  </p:cSld>
+  <p:clrMapOvr>
+    <a:masterClrMapping/>
+  </p:clrMapOvr>
+</p:sld>
+</file>
+
+<file path=ppt/slides/slide7.xml><?xml version="1.0" encoding="utf-8"?>
+<p:sld xmlns:a="http://schemas.openxmlformats.org/drawingml/2006/main" xmlns:r="http://schemas.openxmlformats.org/officeDocument/2006/relationships" xmlns:p="http://schemas.openxmlformats.org/presentationml/2006/main">
+  <p:cSld>
+    <p:spTree>
+      <p:nvGrpSpPr>
+        <p:cNvPr id="1" name=""/>
+        <p:cNvGrpSpPr/>
+        <p:nvPr/>
+      </p:nvGrpSpPr>
+      <p:grpSpPr>
+        <a:xfrm>
+          <a:off x="0" y="0"/>
+          <a:ext cx="0" cy="0"/>
+          <a:chOff x="0" y="0"/>
+          <a:chExt cx="0" cy="0"/>
+        </a:xfrm>
+      </p:grpSpPr>
+      <p:sp>
+        <p:nvSpPr>
+          <p:cNvPr id="2" name="Title 1">
+            <a:extLst>
+              <a:ext uri="{FF2B5EF4-FFF2-40B4-BE49-F238E27FC236}">
+                <a16:creationId xmlns:a16="http://schemas.microsoft.com/office/drawing/2014/main" id="{7CB21737-4F9B-2DE9-6F89-EE2F82A1F784}"/>
+              </a:ext>
+            </a:extLst>
+          </p:cNvPr>
+          <p:cNvSpPr>
+            <a:spLocks noGrp="1"/>
+          </p:cNvSpPr>
+          <p:nvPr>
+            <p:ph type="title"/>
+          </p:nvPr>
+        </p:nvSpPr>
+        <p:spPr/>
+        <p:txBody>
+          <a:bodyPr/>
+          <a:lstStyle/>
+          <a:p>
+            <a:r>
+              <a:rPr lang="en-US" dirty="0"/>
+              <a:t>Services Communication with Eureka</a:t>
+            </a:r>
+          </a:p>
+        </p:txBody>
+      </p:sp>
+      <p:pic>
+        <p:nvPicPr>
+          <p:cNvPr id="5" name="Picture 4">
+            <a:extLst>
+              <a:ext uri="{FF2B5EF4-FFF2-40B4-BE49-F238E27FC236}">
+                <a16:creationId xmlns:a16="http://schemas.microsoft.com/office/drawing/2014/main" id="{D67A51F6-665C-376F-82C0-F518B06A6FED}"/>
+              </a:ext>
+            </a:extLst>
+          </p:cNvPr>
+          <p:cNvPicPr>
+            <a:picLocks noChangeAspect="1"/>
+          </p:cNvPicPr>
+          <p:nvPr/>
+        </p:nvPicPr>
+        <p:blipFill>
+          <a:blip r:embed="rId2"/>
+          <a:stretch>
+            <a:fillRect/>
+          </a:stretch>
+        </p:blipFill>
+        <p:spPr>
+          <a:xfrm>
+            <a:off x="750152" y="1690688"/>
+            <a:ext cx="10515601" cy="4788278"/>
+          </a:xfrm>
+          <a:prstGeom prst="rect">
+            <a:avLst/>
+          </a:prstGeom>
+        </p:spPr>
+      </p:pic>
+    </p:spTree>
+    <p:extLst>
+      <p:ext uri="{BB962C8B-B14F-4D97-AF65-F5344CB8AC3E}">
+        <p14:creationId xmlns:p14="http://schemas.microsoft.com/office/powerpoint/2010/main" val="1239385977"/>
       </p:ext>
     </p:extLst>
   </p:cSld>

--- a/Eureka.pptx
+++ b/Eureka.pptx
@@ -3461,20 +3461,43 @@
         </p:nvSpPr>
         <p:spPr>
           <a:xfrm>
-            <a:off x="838200" y="1688889"/>
-            <a:ext cx="10515600" cy="4088067"/>
+            <a:off x="838200" y="1311230"/>
+            <a:ext cx="10515600" cy="4235539"/>
           </a:xfrm>
         </p:spPr>
         <p:txBody>
-          <a:bodyPr/>
+          <a:bodyPr>
+            <a:normAutofit fontScale="92500" lnSpcReduction="10000"/>
+          </a:bodyPr>
           <a:lstStyle/>
           <a:p>
             <a:endParaRPr lang="en-US" dirty="0"/>
           </a:p>
           <a:p>
+            <a:pPr marL="0" indent="0">
+              <a:buNone/>
+            </a:pPr>
             <a:r>
               <a:rPr lang="en-US" dirty="0"/>
-              <a:t>Eureka is a service discovery and registration tool, often used in microservices architectures. It provides a way for microservices to find and communicate with each other in a dynamic and distributed environment. In simpler terms, Eureka acts as a phone book for microservices, allowing them to register their presence and discover other services they need to interact with.</a:t>
+              <a:t>Eureka Server is a service registry that plays a central role in the automatic detection of devices and services on a network. It acts as the heart of your microservices ecosystem, allowing service instances to register themselves and facilitating service discovery. Key aspects of Eureka Server include:</a:t>
+            </a:r>
+          </a:p>
+          <a:p>
+            <a:endParaRPr lang="en-US" dirty="0"/>
+          </a:p>
+          <a:p>
+            <a:r>
+              <a:rPr lang="en-US" dirty="0"/>
+              <a:t>Client Registration: Instances of microservices automatically register themselves with Eureka Server.</a:t>
+            </a:r>
+          </a:p>
+          <a:p>
+            <a:endParaRPr lang="en-US" dirty="0"/>
+          </a:p>
+          <a:p>
+            <a:r>
+              <a:rPr lang="en-US" dirty="0"/>
+              <a:t>Service Discovery: Eureka Server maintains a registry of all client applications running on different ports and IP addresses.</a:t>
             </a:r>
           </a:p>
         </p:txBody>
@@ -3537,7 +3560,7 @@
           <a:p>
             <a:r>
               <a:rPr lang="en-US" dirty="0"/>
-              <a:t>Before Eureka</a:t>
+              <a:t>Why switch to Microservices?</a:t>
             </a:r>
           </a:p>
         </p:txBody>
